--- a/slide_0515/20190515_urita.pptx
+++ b/slide_0515/20190515_urita.pptx
@@ -13,9 +13,9 @@
     <p:sldId id="264" r:id="rId4"/>
     <p:sldId id="260" r:id="rId5"/>
     <p:sldId id="261" r:id="rId6"/>
-    <p:sldId id="262" r:id="rId7"/>
-    <p:sldId id="265" r:id="rId8"/>
-    <p:sldId id="268" r:id="rId9"/>
+    <p:sldId id="265" r:id="rId7"/>
+    <p:sldId id="268" r:id="rId8"/>
+    <p:sldId id="262" r:id="rId9"/>
     <p:sldId id="257" r:id="rId10"/>
     <p:sldId id="269" r:id="rId11"/>
   </p:sldIdLst>
@@ -116,6 +116,11 @@
       </a:defRPr>
     </a:lvl9pPr>
   </p:defaultTextStyle>
+  <p:extLst>
+    <p:ext uri="{EFAFB233-063F-42B5-8137-9DF3F51BA10A}">
+      <p15:sldGuideLst xmlns:p15="http://schemas.microsoft.com/office/powerpoint/2012/main"/>
+    </p:ext>
+  </p:extLst>
 </p:presentation>
 </file>
 
@@ -3017,11 +3022,7 @@
             </a:pPr>
             <a:r>
               <a:rPr kumimoji="1" lang="ja-JP" altLang="en-US" dirty="0" smtClean="0"/>
-              <a:t>ランダムフォレスト</a:t>
-            </a:r>
-            <a:r>
-              <a:rPr kumimoji="1" lang="ja-JP" altLang="en-US" dirty="0" smtClean="0"/>
-              <a:t>の</a:t>
+              <a:t>ランダムフォレストの</a:t>
             </a:r>
             <a:r>
               <a:rPr lang="ja-JP" altLang="en-US" dirty="0" smtClean="0"/>
@@ -3033,11 +3034,7 @@
             </a:r>
             <a:r>
               <a:rPr kumimoji="1" lang="ja-JP" altLang="en-US" dirty="0" smtClean="0"/>
-              <a:t>を</a:t>
-            </a:r>
-            <a:r>
-              <a:rPr kumimoji="1" lang="ja-JP" altLang="en-US" dirty="0" smtClean="0"/>
-              <a:t>抽出し，より</a:t>
+              <a:t>を抽出し，より</a:t>
             </a:r>
             <a:r>
               <a:rPr kumimoji="1" lang="en-US" altLang="ja-JP" dirty="0" smtClean="0"/>
@@ -3059,15 +3056,7 @@
             </a:pPr>
             <a:r>
               <a:rPr kumimoji="1" lang="ja-JP" altLang="en-US" dirty="0" smtClean="0"/>
-              <a:t>個体</a:t>
-            </a:r>
-            <a:r>
-              <a:rPr kumimoji="1" lang="ja-JP" altLang="en-US" dirty="0" smtClean="0"/>
-              <a:t>評価</a:t>
-            </a:r>
-            <a:r>
-              <a:rPr kumimoji="1" lang="ja-JP" altLang="en-US" dirty="0" smtClean="0"/>
-              <a:t>に，</a:t>
+              <a:t>個体評価に，</a:t>
             </a:r>
             <a:r>
               <a:rPr kumimoji="1" lang="en-US" altLang="ja-JP" dirty="0" smtClean="0"/>
@@ -3094,15 +3083,7 @@
             </a:r>
             <a:r>
               <a:rPr kumimoji="1" lang="ja-JP" altLang="en-US" dirty="0" smtClean="0"/>
-              <a:t>で探索</a:t>
-            </a:r>
-            <a:r>
-              <a:rPr kumimoji="1" lang="ja-JP" altLang="en-US" dirty="0" smtClean="0"/>
-              <a:t>を</a:t>
-            </a:r>
-            <a:r>
-              <a:rPr kumimoji="1" lang="ja-JP" altLang="en-US" dirty="0" smtClean="0"/>
-              <a:t>行っていたが，いずれも</a:t>
+              <a:t>で探索を行っていたが，いずれも</a:t>
             </a:r>
             <a:r>
               <a:rPr kumimoji="1" lang="en-US" altLang="ja-JP" dirty="0" smtClean="0"/>
@@ -3232,11 +3213,7 @@
             </a:pPr>
             <a:r>
               <a:rPr kumimoji="1" lang="ja-JP" altLang="en-US" dirty="0" smtClean="0"/>
-              <a:t>ランダムフォレスト</a:t>
-            </a:r>
-            <a:r>
-              <a:rPr kumimoji="1" lang="ja-JP" altLang="en-US" dirty="0" smtClean="0"/>
-              <a:t>の</a:t>
+              <a:t>ランダムフォレストの</a:t>
             </a:r>
             <a:r>
               <a:rPr lang="ja-JP" altLang="en-US" dirty="0" smtClean="0"/>
@@ -3248,11 +3225,7 @@
             </a:r>
             <a:r>
               <a:rPr kumimoji="1" lang="ja-JP" altLang="en-US" dirty="0" smtClean="0"/>
-              <a:t>を</a:t>
-            </a:r>
-            <a:r>
-              <a:rPr kumimoji="1" lang="ja-JP" altLang="en-US" dirty="0" smtClean="0"/>
-              <a:t>抽出し，より</a:t>
+              <a:t>を抽出し，より</a:t>
             </a:r>
             <a:r>
               <a:rPr kumimoji="1" lang="en-US" altLang="ja-JP" dirty="0" smtClean="0"/>
@@ -3274,15 +3247,7 @@
             </a:pPr>
             <a:r>
               <a:rPr kumimoji="1" lang="ja-JP" altLang="en-US" dirty="0" smtClean="0"/>
-              <a:t>個体</a:t>
-            </a:r>
-            <a:r>
-              <a:rPr kumimoji="1" lang="ja-JP" altLang="en-US" dirty="0" smtClean="0"/>
-              <a:t>評価</a:t>
-            </a:r>
-            <a:r>
-              <a:rPr kumimoji="1" lang="ja-JP" altLang="en-US" dirty="0" smtClean="0"/>
-              <a:t>に，</a:t>
+              <a:t>個体評価に，</a:t>
             </a:r>
             <a:r>
               <a:rPr kumimoji="1" lang="en-US" altLang="ja-JP" dirty="0" smtClean="0"/>
@@ -3309,15 +3274,7 @@
             </a:r>
             <a:r>
               <a:rPr kumimoji="1" lang="ja-JP" altLang="en-US" dirty="0" smtClean="0"/>
-              <a:t>で探索</a:t>
-            </a:r>
-            <a:r>
-              <a:rPr kumimoji="1" lang="ja-JP" altLang="en-US" dirty="0" smtClean="0"/>
-              <a:t>を</a:t>
-            </a:r>
-            <a:r>
-              <a:rPr kumimoji="1" lang="ja-JP" altLang="en-US" dirty="0" smtClean="0"/>
-              <a:t>行っていたが，いずれも</a:t>
+              <a:t>で探索を行っていたが，いずれも</a:t>
             </a:r>
             <a:r>
               <a:rPr kumimoji="1" lang="en-US" altLang="ja-JP" dirty="0" smtClean="0"/>
@@ -3779,11 +3736,7 @@
             <a:pPr algn="ctr"/>
             <a:r>
               <a:rPr kumimoji="1" lang="ja-JP" altLang="en-US" sz="2800" dirty="0" smtClean="0"/>
-              <a:t>精度の</a:t>
-            </a:r>
-            <a:r>
-              <a:rPr kumimoji="1" lang="ja-JP" altLang="en-US" sz="2800" dirty="0" smtClean="0"/>
-              <a:t>良い</a:t>
+              <a:t>精度の良い</a:t>
             </a:r>
             <a:r>
               <a:rPr lang="ja-JP" altLang="en-US" sz="2800" dirty="0" smtClean="0"/>
@@ -4548,6 +4501,619 @@
           <a:lstStyle/>
           <a:p>
             <a:r>
+              <a:rPr lang="ja-JP" altLang="en-US" dirty="0"/>
+              <a:t>分布形状の</a:t>
+            </a:r>
+            <a:r>
+              <a:rPr lang="en-US" altLang="ja-JP" dirty="0"/>
+              <a:t>OOB</a:t>
+            </a:r>
+            <a:r>
+              <a:rPr lang="ja-JP" altLang="en-US" dirty="0"/>
+              <a:t>データへの依存</a:t>
+            </a:r>
+            <a:endParaRPr kumimoji="1" lang="ja-JP" altLang="en-US" dirty="0"/>
+          </a:p>
+        </p:txBody>
+      </p:sp>
+      <p:sp>
+        <p:nvSpPr>
+          <p:cNvPr id="5" name="コンテンツ プレースホルダー 4"/>
+          <p:cNvSpPr>
+            <a:spLocks noGrp="1"/>
+          </p:cNvSpPr>
+          <p:nvPr>
+            <p:ph idx="1"/>
+          </p:nvPr>
+        </p:nvSpPr>
+        <p:spPr/>
+        <p:txBody>
+          <a:bodyPr/>
+          <a:lstStyle/>
+          <a:p>
+            <a:r>
+              <a:rPr kumimoji="1" lang="ja-JP" altLang="en-US" dirty="0" smtClean="0"/>
+              <a:t>各決定木の</a:t>
+            </a:r>
+            <a:r>
+              <a:rPr kumimoji="1" lang="en-US" altLang="ja-JP" dirty="0" smtClean="0"/>
+              <a:t>OOB</a:t>
+            </a:r>
+            <a:r>
+              <a:rPr kumimoji="1" lang="ja-JP" altLang="en-US" dirty="0" smtClean="0"/>
+              <a:t>データの距離関係を可視化</a:t>
+            </a:r>
+            <a:endParaRPr kumimoji="1" lang="en-US" altLang="ja-JP" dirty="0" smtClean="0"/>
+          </a:p>
+          <a:p>
+            <a:r>
+              <a:rPr lang="ja-JP" altLang="en-US" dirty="0" smtClean="0"/>
+              <a:t>検証用</a:t>
+            </a:r>
+            <a:r>
+              <a:rPr lang="ja-JP" altLang="en-US" dirty="0"/>
+              <a:t>データ</a:t>
+            </a:r>
+            <a:r>
+              <a:rPr lang="en-US" altLang="ja-JP" dirty="0"/>
+              <a:t>(</a:t>
+            </a:r>
+            <a:r>
+              <a:rPr lang="ja-JP" altLang="en-US" dirty="0"/>
+              <a:t>元データの</a:t>
+            </a:r>
+            <a:r>
+              <a:rPr lang="en-US" altLang="ja-JP" dirty="0"/>
+              <a:t>1/3)</a:t>
+            </a:r>
+            <a:r>
+              <a:rPr lang="ja-JP" altLang="en-US" dirty="0" err="1"/>
+              <a:t>への</a:t>
+            </a:r>
+            <a:r>
+              <a:rPr lang="ja-JP" altLang="en-US" dirty="0"/>
+              <a:t>識別精度で</a:t>
+            </a:r>
+            <a:r>
+              <a:rPr lang="en-US" altLang="ja-JP" dirty="0"/>
+              <a:t/>
+            </a:r>
+            <a:br>
+              <a:rPr lang="en-US" altLang="ja-JP" dirty="0"/>
+            </a:br>
+            <a:r>
+              <a:rPr lang="ja-JP" altLang="en-US" dirty="0"/>
+              <a:t>着色</a:t>
+            </a:r>
+          </a:p>
+          <a:p>
+            <a:endParaRPr kumimoji="1" lang="ja-JP" altLang="en-US" dirty="0"/>
+          </a:p>
+        </p:txBody>
+      </p:sp>
+      <p:sp>
+        <p:nvSpPr>
+          <p:cNvPr id="4" name="スライド番号プレースホルダー 3"/>
+          <p:cNvSpPr>
+            <a:spLocks noGrp="1"/>
+          </p:cNvSpPr>
+          <p:nvPr>
+            <p:ph type="sldNum" sz="quarter" idx="12"/>
+          </p:nvPr>
+        </p:nvSpPr>
+        <p:spPr/>
+        <p:txBody>
+          <a:bodyPr/>
+          <a:lstStyle/>
+          <a:p>
+            <a:fld id="{B5C67937-D10B-4F1B-BCB2-26B69D4AE1E2}" type="slidenum">
+              <a:rPr kumimoji="1" lang="ja-JP" altLang="en-US" smtClean="0"/>
+              <a:pPr/>
+              <a:t>6</a:t>
+            </a:fld>
+            <a:endParaRPr kumimoji="1" lang="ja-JP" altLang="en-US" dirty="0"/>
+          </a:p>
+        </p:txBody>
+      </p:sp>
+      <p:sp>
+        <p:nvSpPr>
+          <p:cNvPr id="6" name="テキスト プレースホルダー 5"/>
+          <p:cNvSpPr>
+            <a:spLocks noGrp="1"/>
+          </p:cNvSpPr>
+          <p:nvPr>
+            <p:ph type="body" sz="quarter" idx="13"/>
+          </p:nvPr>
+        </p:nvSpPr>
+        <p:spPr/>
+        <p:txBody>
+          <a:bodyPr/>
+          <a:lstStyle/>
+          <a:p>
+            <a:r>
+              <a:rPr kumimoji="1" lang="ja-JP" altLang="en-US" dirty="0" smtClean="0"/>
+              <a:t>各決定木間の</a:t>
+            </a:r>
+            <a:r>
+              <a:rPr kumimoji="1" lang="en-US" altLang="ja-JP" dirty="0" smtClean="0"/>
+              <a:t>OOB</a:t>
+            </a:r>
+            <a:r>
+              <a:rPr kumimoji="1" lang="ja-JP" altLang="en-US" dirty="0" smtClean="0"/>
+              <a:t>データの類似性</a:t>
+            </a:r>
+            <a:endParaRPr kumimoji="1" lang="ja-JP" altLang="en-US" dirty="0"/>
+          </a:p>
+        </p:txBody>
+      </p:sp>
+      <p:pic>
+        <p:nvPicPr>
+          <p:cNvPr id="14" name="図 13"/>
+          <p:cNvPicPr>
+            <a:picLocks noChangeAspect="1"/>
+          </p:cNvPicPr>
+          <p:nvPr/>
+        </p:nvPicPr>
+        <p:blipFill>
+          <a:blip r:embed="rId2">
+            <a:extLst>
+              <a:ext uri="{28A0092B-C50C-407E-A947-70E740481C1C}">
+                <a14:useLocalDpi xmlns:a14="http://schemas.microsoft.com/office/drawing/2010/main" val="0"/>
+              </a:ext>
+            </a:extLst>
+          </a:blip>
+          <a:stretch>
+            <a:fillRect/>
+          </a:stretch>
+        </p:blipFill>
+        <p:spPr>
+          <a:xfrm>
+            <a:off x="526143" y="3071082"/>
+            <a:ext cx="3967438" cy="2984723"/>
+          </a:xfrm>
+          <a:prstGeom prst="rect">
+            <a:avLst/>
+          </a:prstGeom>
+        </p:spPr>
+      </p:pic>
+      <p:pic>
+        <p:nvPicPr>
+          <p:cNvPr id="15" name="図 14"/>
+          <p:cNvPicPr>
+            <a:picLocks noChangeAspect="1"/>
+          </p:cNvPicPr>
+          <p:nvPr/>
+        </p:nvPicPr>
+        <p:blipFill>
+          <a:blip r:embed="rId3">
+            <a:extLst>
+              <a:ext uri="{28A0092B-C50C-407E-A947-70E740481C1C}">
+                <a14:useLocalDpi xmlns:a14="http://schemas.microsoft.com/office/drawing/2010/main" val="0"/>
+              </a:ext>
+            </a:extLst>
+          </a:blip>
+          <a:stretch>
+            <a:fillRect/>
+          </a:stretch>
+        </p:blipFill>
+        <p:spPr>
+          <a:xfrm>
+            <a:off x="4650419" y="3071082"/>
+            <a:ext cx="3967438" cy="2984723"/>
+          </a:xfrm>
+          <a:prstGeom prst="rect">
+            <a:avLst/>
+          </a:prstGeom>
+        </p:spPr>
+      </p:pic>
+      <p:sp>
+        <p:nvSpPr>
+          <p:cNvPr id="17" name="テキスト ボックス 16"/>
+          <p:cNvSpPr txBox="1"/>
+          <p:nvPr/>
+        </p:nvSpPr>
+        <p:spPr>
+          <a:xfrm>
+            <a:off x="1388265" y="6001852"/>
+            <a:ext cx="1828803" cy="523220"/>
+          </a:xfrm>
+          <a:prstGeom prst="rect">
+            <a:avLst/>
+          </a:prstGeom>
+          <a:noFill/>
+        </p:spPr>
+        <p:txBody>
+          <a:bodyPr wrap="square" rtlCol="0">
+            <a:spAutoFit/>
+          </a:bodyPr>
+          <a:lstStyle/>
+          <a:p>
+            <a:pPr algn="ctr"/>
+            <a:r>
+              <a:rPr kumimoji="1" lang="en-US" altLang="ja-JP" sz="2800" dirty="0" err="1" smtClean="0"/>
+              <a:t>Satimage</a:t>
+            </a:r>
+            <a:endParaRPr kumimoji="1" lang="ja-JP" altLang="en-US" sz="2800" dirty="0" smtClean="0"/>
+          </a:p>
+        </p:txBody>
+      </p:sp>
+      <p:sp>
+        <p:nvSpPr>
+          <p:cNvPr id="18" name="テキスト ボックス 17"/>
+          <p:cNvSpPr txBox="1"/>
+          <p:nvPr/>
+        </p:nvSpPr>
+        <p:spPr>
+          <a:xfrm>
+            <a:off x="5653246" y="6001852"/>
+            <a:ext cx="1828803" cy="523220"/>
+          </a:xfrm>
+          <a:prstGeom prst="rect">
+            <a:avLst/>
+          </a:prstGeom>
+          <a:noFill/>
+        </p:spPr>
+        <p:txBody>
+          <a:bodyPr wrap="square" rtlCol="0">
+            <a:spAutoFit/>
+          </a:bodyPr>
+          <a:lstStyle/>
+          <a:p>
+            <a:pPr algn="ctr"/>
+            <a:r>
+              <a:rPr kumimoji="1" lang="en-US" altLang="ja-JP" sz="2800" dirty="0" smtClean="0"/>
+              <a:t>Vowel</a:t>
+            </a:r>
+            <a:endParaRPr kumimoji="1" lang="ja-JP" altLang="en-US" sz="2800" dirty="0" smtClean="0"/>
+          </a:p>
+        </p:txBody>
+      </p:sp>
+    </p:spTree>
+    <p:extLst>
+      <p:ext uri="{BB962C8B-B14F-4D97-AF65-F5344CB8AC3E}">
+        <p14:creationId xmlns:p14="http://schemas.microsoft.com/office/powerpoint/2010/main" val="170366444"/>
+      </p:ext>
+    </p:extLst>
+  </p:cSld>
+  <p:clrMapOvr>
+    <a:masterClrMapping/>
+  </p:clrMapOvr>
+  <p:timing>
+    <p:tnLst>
+      <p:par>
+        <p:cTn id="1" dur="indefinite" restart="never" nodeType="tmRoot"/>
+      </p:par>
+    </p:tnLst>
+  </p:timing>
+</p:sld>
+</file>
+
+<file path=ppt/slides/slide7.xml><?xml version="1.0" encoding="utf-8"?>
+<p:sld xmlns:a="http://schemas.openxmlformats.org/drawingml/2006/main" xmlns:r="http://schemas.openxmlformats.org/officeDocument/2006/relationships" xmlns:p="http://schemas.openxmlformats.org/presentationml/2006/main">
+  <p:cSld>
+    <p:spTree>
+      <p:nvGrpSpPr>
+        <p:cNvPr id="1" name=""/>
+        <p:cNvGrpSpPr/>
+        <p:nvPr/>
+      </p:nvGrpSpPr>
+      <p:grpSpPr>
+        <a:xfrm>
+          <a:off x="0" y="0"/>
+          <a:ext cx="0" cy="0"/>
+          <a:chOff x="0" y="0"/>
+          <a:chExt cx="0" cy="0"/>
+        </a:xfrm>
+      </p:grpSpPr>
+      <p:sp>
+        <p:nvSpPr>
+          <p:cNvPr id="2" name="タイトル 1"/>
+          <p:cNvSpPr>
+            <a:spLocks noGrp="1"/>
+          </p:cNvSpPr>
+          <p:nvPr>
+            <p:ph type="title"/>
+          </p:nvPr>
+        </p:nvSpPr>
+        <p:spPr/>
+        <p:txBody>
+          <a:bodyPr/>
+          <a:lstStyle/>
+          <a:p>
+            <a:r>
+              <a:rPr lang="ja-JP" altLang="en-US" dirty="0"/>
+              <a:t>分布形状の</a:t>
+            </a:r>
+            <a:r>
+              <a:rPr lang="en-US" altLang="ja-JP" dirty="0"/>
+              <a:t>OOB</a:t>
+            </a:r>
+            <a:r>
+              <a:rPr lang="ja-JP" altLang="en-US" dirty="0"/>
+              <a:t>データへの依存</a:t>
+            </a:r>
+            <a:endParaRPr kumimoji="1" lang="ja-JP" altLang="en-US" dirty="0"/>
+          </a:p>
+        </p:txBody>
+      </p:sp>
+      <p:sp>
+        <p:nvSpPr>
+          <p:cNvPr id="5" name="コンテンツ プレースホルダー 4"/>
+          <p:cNvSpPr>
+            <a:spLocks noGrp="1"/>
+          </p:cNvSpPr>
+          <p:nvPr>
+            <p:ph idx="1"/>
+          </p:nvPr>
+        </p:nvSpPr>
+        <p:spPr/>
+        <p:txBody>
+          <a:bodyPr/>
+          <a:lstStyle/>
+          <a:p>
+            <a:r>
+              <a:rPr kumimoji="1" lang="ja-JP" altLang="en-US" dirty="0" smtClean="0"/>
+              <a:t>各決定木の</a:t>
+            </a:r>
+            <a:r>
+              <a:rPr kumimoji="1" lang="en-US" altLang="ja-JP" dirty="0" smtClean="0"/>
+              <a:t>OOB</a:t>
+            </a:r>
+            <a:r>
+              <a:rPr kumimoji="1" lang="ja-JP" altLang="en-US" dirty="0" smtClean="0"/>
+              <a:t>データの距離関係を可視化</a:t>
+            </a:r>
+            <a:endParaRPr kumimoji="1" lang="en-US" altLang="ja-JP" dirty="0" smtClean="0"/>
+          </a:p>
+          <a:p>
+            <a:r>
+              <a:rPr lang="ja-JP" altLang="en-US" dirty="0"/>
+              <a:t>識別精度が上位</a:t>
+            </a:r>
+            <a:r>
+              <a:rPr lang="en-US" altLang="ja-JP" dirty="0"/>
+              <a:t>10</a:t>
+            </a:r>
+            <a:r>
+              <a:rPr lang="ja-JP" altLang="en-US" dirty="0"/>
+              <a:t>％のものを抽出</a:t>
+            </a:r>
+          </a:p>
+          <a:p>
+            <a:endParaRPr kumimoji="1" lang="ja-JP" altLang="en-US" dirty="0"/>
+          </a:p>
+        </p:txBody>
+      </p:sp>
+      <p:sp>
+        <p:nvSpPr>
+          <p:cNvPr id="4" name="スライド番号プレースホルダー 3"/>
+          <p:cNvSpPr>
+            <a:spLocks noGrp="1"/>
+          </p:cNvSpPr>
+          <p:nvPr>
+            <p:ph type="sldNum" sz="quarter" idx="12"/>
+          </p:nvPr>
+        </p:nvSpPr>
+        <p:spPr/>
+        <p:txBody>
+          <a:bodyPr/>
+          <a:lstStyle/>
+          <a:p>
+            <a:fld id="{B5C67937-D10B-4F1B-BCB2-26B69D4AE1E2}" type="slidenum">
+              <a:rPr kumimoji="1" lang="ja-JP" altLang="en-US" smtClean="0"/>
+              <a:pPr/>
+              <a:t>7</a:t>
+            </a:fld>
+            <a:endParaRPr kumimoji="1" lang="ja-JP" altLang="en-US" dirty="0"/>
+          </a:p>
+        </p:txBody>
+      </p:sp>
+      <p:sp>
+        <p:nvSpPr>
+          <p:cNvPr id="6" name="テキスト プレースホルダー 5"/>
+          <p:cNvSpPr>
+            <a:spLocks noGrp="1"/>
+          </p:cNvSpPr>
+          <p:nvPr>
+            <p:ph type="body" sz="quarter" idx="13"/>
+          </p:nvPr>
+        </p:nvSpPr>
+        <p:spPr/>
+        <p:txBody>
+          <a:bodyPr/>
+          <a:lstStyle/>
+          <a:p>
+            <a:r>
+              <a:rPr kumimoji="1" lang="ja-JP" altLang="en-US" dirty="0" smtClean="0"/>
+              <a:t>各決定木間の</a:t>
+            </a:r>
+            <a:r>
+              <a:rPr kumimoji="1" lang="en-US" altLang="ja-JP" dirty="0" smtClean="0"/>
+              <a:t>OOB</a:t>
+            </a:r>
+            <a:r>
+              <a:rPr kumimoji="1" lang="ja-JP" altLang="en-US" dirty="0" smtClean="0"/>
+              <a:t>データの類似性</a:t>
+            </a:r>
+            <a:endParaRPr kumimoji="1" lang="ja-JP" altLang="en-US" dirty="0"/>
+          </a:p>
+        </p:txBody>
+      </p:sp>
+      <p:pic>
+        <p:nvPicPr>
+          <p:cNvPr id="14" name="図 13"/>
+          <p:cNvPicPr>
+            <a:picLocks noChangeAspect="1"/>
+          </p:cNvPicPr>
+          <p:nvPr/>
+        </p:nvPicPr>
+        <p:blipFill>
+          <a:blip r:embed="rId2">
+            <a:extLst>
+              <a:ext uri="{28A0092B-C50C-407E-A947-70E740481C1C}">
+                <a14:useLocalDpi xmlns:a14="http://schemas.microsoft.com/office/drawing/2010/main" val="0"/>
+              </a:ext>
+            </a:extLst>
+          </a:blip>
+          <a:stretch>
+            <a:fillRect/>
+          </a:stretch>
+        </p:blipFill>
+        <p:spPr>
+          <a:xfrm>
+            <a:off x="308433" y="3071082"/>
+            <a:ext cx="3967437" cy="2984723"/>
+          </a:xfrm>
+          <a:prstGeom prst="rect">
+            <a:avLst/>
+          </a:prstGeom>
+        </p:spPr>
+      </p:pic>
+      <p:pic>
+        <p:nvPicPr>
+          <p:cNvPr id="15" name="図 14"/>
+          <p:cNvPicPr>
+            <a:picLocks noChangeAspect="1"/>
+          </p:cNvPicPr>
+          <p:nvPr/>
+        </p:nvPicPr>
+        <p:blipFill>
+          <a:blip r:embed="rId3">
+            <a:extLst>
+              <a:ext uri="{28A0092B-C50C-407E-A947-70E740481C1C}">
+                <a14:useLocalDpi xmlns:a14="http://schemas.microsoft.com/office/drawing/2010/main" val="0"/>
+              </a:ext>
+            </a:extLst>
+          </a:blip>
+          <a:stretch>
+            <a:fillRect/>
+          </a:stretch>
+        </p:blipFill>
+        <p:spPr>
+          <a:xfrm>
+            <a:off x="4432709" y="3071082"/>
+            <a:ext cx="3967437" cy="2984723"/>
+          </a:xfrm>
+          <a:prstGeom prst="rect">
+            <a:avLst/>
+          </a:prstGeom>
+        </p:spPr>
+      </p:pic>
+      <p:sp>
+        <p:nvSpPr>
+          <p:cNvPr id="17" name="テキスト ボックス 16"/>
+          <p:cNvSpPr txBox="1"/>
+          <p:nvPr/>
+        </p:nvSpPr>
+        <p:spPr>
+          <a:xfrm>
+            <a:off x="1388265" y="6001852"/>
+            <a:ext cx="1828803" cy="523220"/>
+          </a:xfrm>
+          <a:prstGeom prst="rect">
+            <a:avLst/>
+          </a:prstGeom>
+          <a:noFill/>
+        </p:spPr>
+        <p:txBody>
+          <a:bodyPr wrap="square" rtlCol="0">
+            <a:spAutoFit/>
+          </a:bodyPr>
+          <a:lstStyle/>
+          <a:p>
+            <a:pPr algn="ctr"/>
+            <a:r>
+              <a:rPr kumimoji="1" lang="en-US" altLang="ja-JP" sz="2800" dirty="0" err="1" smtClean="0"/>
+              <a:t>Satimage</a:t>
+            </a:r>
+            <a:endParaRPr kumimoji="1" lang="ja-JP" altLang="en-US" sz="2800" dirty="0" smtClean="0"/>
+          </a:p>
+        </p:txBody>
+      </p:sp>
+      <p:sp>
+        <p:nvSpPr>
+          <p:cNvPr id="18" name="テキスト ボックス 17"/>
+          <p:cNvSpPr txBox="1"/>
+          <p:nvPr/>
+        </p:nvSpPr>
+        <p:spPr>
+          <a:xfrm>
+            <a:off x="5653246" y="6001852"/>
+            <a:ext cx="1828803" cy="523220"/>
+          </a:xfrm>
+          <a:prstGeom prst="rect">
+            <a:avLst/>
+          </a:prstGeom>
+          <a:noFill/>
+        </p:spPr>
+        <p:txBody>
+          <a:bodyPr wrap="square" rtlCol="0">
+            <a:spAutoFit/>
+          </a:bodyPr>
+          <a:lstStyle/>
+          <a:p>
+            <a:pPr algn="ctr"/>
+            <a:r>
+              <a:rPr kumimoji="1" lang="en-US" altLang="ja-JP" sz="2800" dirty="0" smtClean="0"/>
+              <a:t>Vowel</a:t>
+            </a:r>
+            <a:endParaRPr kumimoji="1" lang="ja-JP" altLang="en-US" sz="2800" dirty="0" smtClean="0"/>
+          </a:p>
+        </p:txBody>
+      </p:sp>
+    </p:spTree>
+    <p:extLst>
+      <p:ext uri="{BB962C8B-B14F-4D97-AF65-F5344CB8AC3E}">
+        <p14:creationId xmlns:p14="http://schemas.microsoft.com/office/powerpoint/2010/main" val="1568696490"/>
+      </p:ext>
+    </p:extLst>
+  </p:cSld>
+  <p:clrMapOvr>
+    <a:masterClrMapping/>
+  </p:clrMapOvr>
+  <p:timing>
+    <p:tnLst>
+      <p:par>
+        <p:cTn id="1" dur="indefinite" restart="never" nodeType="tmRoot"/>
+      </p:par>
+    </p:tnLst>
+  </p:timing>
+</p:sld>
+</file>
+
+<file path=ppt/slides/slide8.xml><?xml version="1.0" encoding="utf-8"?>
+<p:sld xmlns:a="http://schemas.openxmlformats.org/drawingml/2006/main" xmlns:r="http://schemas.openxmlformats.org/officeDocument/2006/relationships" xmlns:p="http://schemas.openxmlformats.org/presentationml/2006/main">
+  <p:cSld>
+    <p:spTree>
+      <p:nvGrpSpPr>
+        <p:cNvPr id="1" name=""/>
+        <p:cNvGrpSpPr/>
+        <p:nvPr/>
+      </p:nvGrpSpPr>
+      <p:grpSpPr>
+        <a:xfrm>
+          <a:off x="0" y="0"/>
+          <a:ext cx="0" cy="0"/>
+          <a:chOff x="0" y="0"/>
+          <a:chExt cx="0" cy="0"/>
+        </a:xfrm>
+      </p:grpSpPr>
+      <p:sp>
+        <p:nvSpPr>
+          <p:cNvPr id="2" name="タイトル 1"/>
+          <p:cNvSpPr>
+            <a:spLocks noGrp="1"/>
+          </p:cNvSpPr>
+          <p:nvPr>
+            <p:ph type="title"/>
+          </p:nvPr>
+        </p:nvSpPr>
+        <p:spPr/>
+        <p:txBody>
+          <a:bodyPr/>
+          <a:lstStyle/>
+          <a:p>
+            <a:r>
               <a:rPr kumimoji="1" lang="ja-JP" altLang="en-US" dirty="0" smtClean="0"/>
               <a:t>分布形状の</a:t>
             </a:r>
@@ -4635,7 +5201,7 @@
             <a:fld id="{B5C67937-D10B-4F1B-BCB2-26B69D4AE1E2}" type="slidenum">
               <a:rPr kumimoji="1" lang="ja-JP" altLang="en-US" smtClean="0"/>
               <a:pPr/>
-              <a:t>6</a:t>
+              <a:t>8</a:t>
             </a:fld>
             <a:endParaRPr kumimoji="1" lang="ja-JP" altLang="en-US" dirty="0"/>
           </a:p>
@@ -4848,619 +5414,6 @@
     <p:extLst>
       <p:ext uri="{BB962C8B-B14F-4D97-AF65-F5344CB8AC3E}">
         <p14:creationId xmlns:p14="http://schemas.microsoft.com/office/powerpoint/2010/main" val="303405530"/>
-      </p:ext>
-    </p:extLst>
-  </p:cSld>
-  <p:clrMapOvr>
-    <a:masterClrMapping/>
-  </p:clrMapOvr>
-  <p:timing>
-    <p:tnLst>
-      <p:par>
-        <p:cTn id="1" dur="indefinite" restart="never" nodeType="tmRoot"/>
-      </p:par>
-    </p:tnLst>
-  </p:timing>
-</p:sld>
-</file>
-
-<file path=ppt/slides/slide7.xml><?xml version="1.0" encoding="utf-8"?>
-<p:sld xmlns:a="http://schemas.openxmlformats.org/drawingml/2006/main" xmlns:r="http://schemas.openxmlformats.org/officeDocument/2006/relationships" xmlns:p="http://schemas.openxmlformats.org/presentationml/2006/main">
-  <p:cSld>
-    <p:spTree>
-      <p:nvGrpSpPr>
-        <p:cNvPr id="1" name=""/>
-        <p:cNvGrpSpPr/>
-        <p:nvPr/>
-      </p:nvGrpSpPr>
-      <p:grpSpPr>
-        <a:xfrm>
-          <a:off x="0" y="0"/>
-          <a:ext cx="0" cy="0"/>
-          <a:chOff x="0" y="0"/>
-          <a:chExt cx="0" cy="0"/>
-        </a:xfrm>
-      </p:grpSpPr>
-      <p:sp>
-        <p:nvSpPr>
-          <p:cNvPr id="2" name="タイトル 1"/>
-          <p:cNvSpPr>
-            <a:spLocks noGrp="1"/>
-          </p:cNvSpPr>
-          <p:nvPr>
-            <p:ph type="title"/>
-          </p:nvPr>
-        </p:nvSpPr>
-        <p:spPr/>
-        <p:txBody>
-          <a:bodyPr/>
-          <a:lstStyle/>
-          <a:p>
-            <a:r>
-              <a:rPr lang="ja-JP" altLang="en-US" dirty="0"/>
-              <a:t>分布形状の</a:t>
-            </a:r>
-            <a:r>
-              <a:rPr lang="en-US" altLang="ja-JP" dirty="0"/>
-              <a:t>OOB</a:t>
-            </a:r>
-            <a:r>
-              <a:rPr lang="ja-JP" altLang="en-US" dirty="0"/>
-              <a:t>データへの依存</a:t>
-            </a:r>
-            <a:endParaRPr kumimoji="1" lang="ja-JP" altLang="en-US" dirty="0"/>
-          </a:p>
-        </p:txBody>
-      </p:sp>
-      <p:sp>
-        <p:nvSpPr>
-          <p:cNvPr id="5" name="コンテンツ プレースホルダー 4"/>
-          <p:cNvSpPr>
-            <a:spLocks noGrp="1"/>
-          </p:cNvSpPr>
-          <p:nvPr>
-            <p:ph idx="1"/>
-          </p:nvPr>
-        </p:nvSpPr>
-        <p:spPr/>
-        <p:txBody>
-          <a:bodyPr/>
-          <a:lstStyle/>
-          <a:p>
-            <a:r>
-              <a:rPr kumimoji="1" lang="ja-JP" altLang="en-US" dirty="0" smtClean="0"/>
-              <a:t>各決定木の</a:t>
-            </a:r>
-            <a:r>
-              <a:rPr kumimoji="1" lang="en-US" altLang="ja-JP" dirty="0" smtClean="0"/>
-              <a:t>OOB</a:t>
-            </a:r>
-            <a:r>
-              <a:rPr kumimoji="1" lang="ja-JP" altLang="en-US" dirty="0" smtClean="0"/>
-              <a:t>データの距離関係を可視化</a:t>
-            </a:r>
-            <a:endParaRPr kumimoji="1" lang="en-US" altLang="ja-JP" dirty="0" smtClean="0"/>
-          </a:p>
-          <a:p>
-            <a:r>
-              <a:rPr lang="ja-JP" altLang="en-US" dirty="0" smtClean="0"/>
-              <a:t>検証用</a:t>
-            </a:r>
-            <a:r>
-              <a:rPr lang="ja-JP" altLang="en-US" dirty="0"/>
-              <a:t>データ</a:t>
-            </a:r>
-            <a:r>
-              <a:rPr lang="en-US" altLang="ja-JP" dirty="0"/>
-              <a:t>(</a:t>
-            </a:r>
-            <a:r>
-              <a:rPr lang="ja-JP" altLang="en-US" dirty="0"/>
-              <a:t>元データの</a:t>
-            </a:r>
-            <a:r>
-              <a:rPr lang="en-US" altLang="ja-JP" dirty="0"/>
-              <a:t>1/3)</a:t>
-            </a:r>
-            <a:r>
-              <a:rPr lang="ja-JP" altLang="en-US" dirty="0" err="1"/>
-              <a:t>への</a:t>
-            </a:r>
-            <a:r>
-              <a:rPr lang="ja-JP" altLang="en-US" dirty="0"/>
-              <a:t>識別精度で</a:t>
-            </a:r>
-            <a:r>
-              <a:rPr lang="en-US" altLang="ja-JP" dirty="0"/>
-              <a:t/>
-            </a:r>
-            <a:br>
-              <a:rPr lang="en-US" altLang="ja-JP" dirty="0"/>
-            </a:br>
-            <a:r>
-              <a:rPr lang="ja-JP" altLang="en-US" dirty="0"/>
-              <a:t>着色</a:t>
-            </a:r>
-          </a:p>
-          <a:p>
-            <a:endParaRPr kumimoji="1" lang="ja-JP" altLang="en-US" dirty="0"/>
-          </a:p>
-        </p:txBody>
-      </p:sp>
-      <p:sp>
-        <p:nvSpPr>
-          <p:cNvPr id="4" name="スライド番号プレースホルダー 3"/>
-          <p:cNvSpPr>
-            <a:spLocks noGrp="1"/>
-          </p:cNvSpPr>
-          <p:nvPr>
-            <p:ph type="sldNum" sz="quarter" idx="12"/>
-          </p:nvPr>
-        </p:nvSpPr>
-        <p:spPr/>
-        <p:txBody>
-          <a:bodyPr/>
-          <a:lstStyle/>
-          <a:p>
-            <a:fld id="{B5C67937-D10B-4F1B-BCB2-26B69D4AE1E2}" type="slidenum">
-              <a:rPr kumimoji="1" lang="ja-JP" altLang="en-US" smtClean="0"/>
-              <a:pPr/>
-              <a:t>7</a:t>
-            </a:fld>
-            <a:endParaRPr kumimoji="1" lang="ja-JP" altLang="en-US" dirty="0"/>
-          </a:p>
-        </p:txBody>
-      </p:sp>
-      <p:sp>
-        <p:nvSpPr>
-          <p:cNvPr id="6" name="テキスト プレースホルダー 5"/>
-          <p:cNvSpPr>
-            <a:spLocks noGrp="1"/>
-          </p:cNvSpPr>
-          <p:nvPr>
-            <p:ph type="body" sz="quarter" idx="13"/>
-          </p:nvPr>
-        </p:nvSpPr>
-        <p:spPr/>
-        <p:txBody>
-          <a:bodyPr/>
-          <a:lstStyle/>
-          <a:p>
-            <a:r>
-              <a:rPr kumimoji="1" lang="ja-JP" altLang="en-US" dirty="0" smtClean="0"/>
-              <a:t>各決定木間の</a:t>
-            </a:r>
-            <a:r>
-              <a:rPr kumimoji="1" lang="en-US" altLang="ja-JP" dirty="0" smtClean="0"/>
-              <a:t>OOB</a:t>
-            </a:r>
-            <a:r>
-              <a:rPr kumimoji="1" lang="ja-JP" altLang="en-US" dirty="0" smtClean="0"/>
-              <a:t>データの類似性</a:t>
-            </a:r>
-            <a:endParaRPr kumimoji="1" lang="ja-JP" altLang="en-US" dirty="0"/>
-          </a:p>
-        </p:txBody>
-      </p:sp>
-      <p:pic>
-        <p:nvPicPr>
-          <p:cNvPr id="14" name="図 13"/>
-          <p:cNvPicPr>
-            <a:picLocks noChangeAspect="1"/>
-          </p:cNvPicPr>
-          <p:nvPr/>
-        </p:nvPicPr>
-        <p:blipFill>
-          <a:blip r:embed="rId2">
-            <a:extLst>
-              <a:ext uri="{28A0092B-C50C-407E-A947-70E740481C1C}">
-                <a14:useLocalDpi xmlns:a14="http://schemas.microsoft.com/office/drawing/2010/main" val="0"/>
-              </a:ext>
-            </a:extLst>
-          </a:blip>
-          <a:stretch>
-            <a:fillRect/>
-          </a:stretch>
-        </p:blipFill>
-        <p:spPr>
-          <a:xfrm>
-            <a:off x="526143" y="3071082"/>
-            <a:ext cx="3967438" cy="2984723"/>
-          </a:xfrm>
-          <a:prstGeom prst="rect">
-            <a:avLst/>
-          </a:prstGeom>
-        </p:spPr>
-      </p:pic>
-      <p:pic>
-        <p:nvPicPr>
-          <p:cNvPr id="15" name="図 14"/>
-          <p:cNvPicPr>
-            <a:picLocks noChangeAspect="1"/>
-          </p:cNvPicPr>
-          <p:nvPr/>
-        </p:nvPicPr>
-        <p:blipFill>
-          <a:blip r:embed="rId3">
-            <a:extLst>
-              <a:ext uri="{28A0092B-C50C-407E-A947-70E740481C1C}">
-                <a14:useLocalDpi xmlns:a14="http://schemas.microsoft.com/office/drawing/2010/main" val="0"/>
-              </a:ext>
-            </a:extLst>
-          </a:blip>
-          <a:stretch>
-            <a:fillRect/>
-          </a:stretch>
-        </p:blipFill>
-        <p:spPr>
-          <a:xfrm>
-            <a:off x="4650419" y="3071082"/>
-            <a:ext cx="3967438" cy="2984723"/>
-          </a:xfrm>
-          <a:prstGeom prst="rect">
-            <a:avLst/>
-          </a:prstGeom>
-        </p:spPr>
-      </p:pic>
-      <p:sp>
-        <p:nvSpPr>
-          <p:cNvPr id="17" name="テキスト ボックス 16"/>
-          <p:cNvSpPr txBox="1"/>
-          <p:nvPr/>
-        </p:nvSpPr>
-        <p:spPr>
-          <a:xfrm>
-            <a:off x="1388265" y="6001852"/>
-            <a:ext cx="1828803" cy="523220"/>
-          </a:xfrm>
-          <a:prstGeom prst="rect">
-            <a:avLst/>
-          </a:prstGeom>
-          <a:noFill/>
-        </p:spPr>
-        <p:txBody>
-          <a:bodyPr wrap="square" rtlCol="0">
-            <a:spAutoFit/>
-          </a:bodyPr>
-          <a:lstStyle/>
-          <a:p>
-            <a:pPr algn="ctr"/>
-            <a:r>
-              <a:rPr kumimoji="1" lang="en-US" altLang="ja-JP" sz="2800" dirty="0" err="1" smtClean="0"/>
-              <a:t>Satimage</a:t>
-            </a:r>
-            <a:endParaRPr kumimoji="1" lang="ja-JP" altLang="en-US" sz="2800" dirty="0" smtClean="0"/>
-          </a:p>
-        </p:txBody>
-      </p:sp>
-      <p:sp>
-        <p:nvSpPr>
-          <p:cNvPr id="18" name="テキスト ボックス 17"/>
-          <p:cNvSpPr txBox="1"/>
-          <p:nvPr/>
-        </p:nvSpPr>
-        <p:spPr>
-          <a:xfrm>
-            <a:off x="5653246" y="6001852"/>
-            <a:ext cx="1828803" cy="523220"/>
-          </a:xfrm>
-          <a:prstGeom prst="rect">
-            <a:avLst/>
-          </a:prstGeom>
-          <a:noFill/>
-        </p:spPr>
-        <p:txBody>
-          <a:bodyPr wrap="square" rtlCol="0">
-            <a:spAutoFit/>
-          </a:bodyPr>
-          <a:lstStyle/>
-          <a:p>
-            <a:pPr algn="ctr"/>
-            <a:r>
-              <a:rPr kumimoji="1" lang="en-US" altLang="ja-JP" sz="2800" dirty="0" smtClean="0"/>
-              <a:t>Vowel</a:t>
-            </a:r>
-            <a:endParaRPr kumimoji="1" lang="ja-JP" altLang="en-US" sz="2800" dirty="0" smtClean="0"/>
-          </a:p>
-        </p:txBody>
-      </p:sp>
-    </p:spTree>
-    <p:extLst>
-      <p:ext uri="{BB962C8B-B14F-4D97-AF65-F5344CB8AC3E}">
-        <p14:creationId xmlns:p14="http://schemas.microsoft.com/office/powerpoint/2010/main" val="170366444"/>
-      </p:ext>
-    </p:extLst>
-  </p:cSld>
-  <p:clrMapOvr>
-    <a:masterClrMapping/>
-  </p:clrMapOvr>
-  <p:timing>
-    <p:tnLst>
-      <p:par>
-        <p:cTn id="1" dur="indefinite" restart="never" nodeType="tmRoot"/>
-      </p:par>
-    </p:tnLst>
-  </p:timing>
-</p:sld>
-</file>
-
-<file path=ppt/slides/slide8.xml><?xml version="1.0" encoding="utf-8"?>
-<p:sld xmlns:a="http://schemas.openxmlformats.org/drawingml/2006/main" xmlns:r="http://schemas.openxmlformats.org/officeDocument/2006/relationships" xmlns:p="http://schemas.openxmlformats.org/presentationml/2006/main">
-  <p:cSld>
-    <p:spTree>
-      <p:nvGrpSpPr>
-        <p:cNvPr id="1" name=""/>
-        <p:cNvGrpSpPr/>
-        <p:nvPr/>
-      </p:nvGrpSpPr>
-      <p:grpSpPr>
-        <a:xfrm>
-          <a:off x="0" y="0"/>
-          <a:ext cx="0" cy="0"/>
-          <a:chOff x="0" y="0"/>
-          <a:chExt cx="0" cy="0"/>
-        </a:xfrm>
-      </p:grpSpPr>
-      <p:sp>
-        <p:nvSpPr>
-          <p:cNvPr id="2" name="タイトル 1"/>
-          <p:cNvSpPr>
-            <a:spLocks noGrp="1"/>
-          </p:cNvSpPr>
-          <p:nvPr>
-            <p:ph type="title"/>
-          </p:nvPr>
-        </p:nvSpPr>
-        <p:spPr/>
-        <p:txBody>
-          <a:bodyPr/>
-          <a:lstStyle/>
-          <a:p>
-            <a:r>
-              <a:rPr lang="ja-JP" altLang="en-US" dirty="0"/>
-              <a:t>分布形状の</a:t>
-            </a:r>
-            <a:r>
-              <a:rPr lang="en-US" altLang="ja-JP" dirty="0"/>
-              <a:t>OOB</a:t>
-            </a:r>
-            <a:r>
-              <a:rPr lang="ja-JP" altLang="en-US" dirty="0"/>
-              <a:t>データへの依存</a:t>
-            </a:r>
-            <a:endParaRPr kumimoji="1" lang="ja-JP" altLang="en-US" dirty="0"/>
-          </a:p>
-        </p:txBody>
-      </p:sp>
-      <p:sp>
-        <p:nvSpPr>
-          <p:cNvPr id="5" name="コンテンツ プレースホルダー 4"/>
-          <p:cNvSpPr>
-            <a:spLocks noGrp="1"/>
-          </p:cNvSpPr>
-          <p:nvPr>
-            <p:ph idx="1"/>
-          </p:nvPr>
-        </p:nvSpPr>
-        <p:spPr/>
-        <p:txBody>
-          <a:bodyPr/>
-          <a:lstStyle/>
-          <a:p>
-            <a:r>
-              <a:rPr kumimoji="1" lang="ja-JP" altLang="en-US" dirty="0" smtClean="0"/>
-              <a:t>各決定木の</a:t>
-            </a:r>
-            <a:r>
-              <a:rPr kumimoji="1" lang="en-US" altLang="ja-JP" dirty="0" smtClean="0"/>
-              <a:t>OOB</a:t>
-            </a:r>
-            <a:r>
-              <a:rPr kumimoji="1" lang="ja-JP" altLang="en-US" dirty="0" smtClean="0"/>
-              <a:t>データの距離関係を可視化</a:t>
-            </a:r>
-            <a:endParaRPr kumimoji="1" lang="en-US" altLang="ja-JP" dirty="0" smtClean="0"/>
-          </a:p>
-          <a:p>
-            <a:r>
-              <a:rPr lang="ja-JP" altLang="en-US" dirty="0"/>
-              <a:t>識別精度が上位</a:t>
-            </a:r>
-            <a:r>
-              <a:rPr lang="en-US" altLang="ja-JP" dirty="0"/>
-              <a:t>10</a:t>
-            </a:r>
-            <a:r>
-              <a:rPr lang="ja-JP" altLang="en-US" dirty="0"/>
-              <a:t>％のものを抽出</a:t>
-            </a:r>
-          </a:p>
-          <a:p>
-            <a:endParaRPr kumimoji="1" lang="ja-JP" altLang="en-US" dirty="0"/>
-          </a:p>
-        </p:txBody>
-      </p:sp>
-      <p:sp>
-        <p:nvSpPr>
-          <p:cNvPr id="4" name="スライド番号プレースホルダー 3"/>
-          <p:cNvSpPr>
-            <a:spLocks noGrp="1"/>
-          </p:cNvSpPr>
-          <p:nvPr>
-            <p:ph type="sldNum" sz="quarter" idx="12"/>
-          </p:nvPr>
-        </p:nvSpPr>
-        <p:spPr/>
-        <p:txBody>
-          <a:bodyPr/>
-          <a:lstStyle/>
-          <a:p>
-            <a:fld id="{B5C67937-D10B-4F1B-BCB2-26B69D4AE1E2}" type="slidenum">
-              <a:rPr kumimoji="1" lang="ja-JP" altLang="en-US" smtClean="0"/>
-              <a:pPr/>
-              <a:t>8</a:t>
-            </a:fld>
-            <a:endParaRPr kumimoji="1" lang="ja-JP" altLang="en-US" dirty="0"/>
-          </a:p>
-        </p:txBody>
-      </p:sp>
-      <p:sp>
-        <p:nvSpPr>
-          <p:cNvPr id="6" name="テキスト プレースホルダー 5"/>
-          <p:cNvSpPr>
-            <a:spLocks noGrp="1"/>
-          </p:cNvSpPr>
-          <p:nvPr>
-            <p:ph type="body" sz="quarter" idx="13"/>
-          </p:nvPr>
-        </p:nvSpPr>
-        <p:spPr/>
-        <p:txBody>
-          <a:bodyPr/>
-          <a:lstStyle/>
-          <a:p>
-            <a:r>
-              <a:rPr kumimoji="1" lang="ja-JP" altLang="en-US" dirty="0" smtClean="0"/>
-              <a:t>各決定木間の</a:t>
-            </a:r>
-            <a:r>
-              <a:rPr kumimoji="1" lang="en-US" altLang="ja-JP" dirty="0" smtClean="0"/>
-              <a:t>OOB</a:t>
-            </a:r>
-            <a:r>
-              <a:rPr kumimoji="1" lang="ja-JP" altLang="en-US" dirty="0" smtClean="0"/>
-              <a:t>データの類似性</a:t>
-            </a:r>
-            <a:endParaRPr kumimoji="1" lang="ja-JP" altLang="en-US" dirty="0"/>
-          </a:p>
-        </p:txBody>
-      </p:sp>
-      <p:pic>
-        <p:nvPicPr>
-          <p:cNvPr id="14" name="図 13"/>
-          <p:cNvPicPr>
-            <a:picLocks noChangeAspect="1"/>
-          </p:cNvPicPr>
-          <p:nvPr/>
-        </p:nvPicPr>
-        <p:blipFill>
-          <a:blip r:embed="rId2">
-            <a:extLst>
-              <a:ext uri="{28A0092B-C50C-407E-A947-70E740481C1C}">
-                <a14:useLocalDpi xmlns:a14="http://schemas.microsoft.com/office/drawing/2010/main" val="0"/>
-              </a:ext>
-            </a:extLst>
-          </a:blip>
-          <a:stretch>
-            <a:fillRect/>
-          </a:stretch>
-        </p:blipFill>
-        <p:spPr>
-          <a:xfrm>
-            <a:off x="308433" y="3071082"/>
-            <a:ext cx="3967437" cy="2984723"/>
-          </a:xfrm>
-          <a:prstGeom prst="rect">
-            <a:avLst/>
-          </a:prstGeom>
-        </p:spPr>
-      </p:pic>
-      <p:pic>
-        <p:nvPicPr>
-          <p:cNvPr id="15" name="図 14"/>
-          <p:cNvPicPr>
-            <a:picLocks noChangeAspect="1"/>
-          </p:cNvPicPr>
-          <p:nvPr/>
-        </p:nvPicPr>
-        <p:blipFill>
-          <a:blip r:embed="rId3">
-            <a:extLst>
-              <a:ext uri="{28A0092B-C50C-407E-A947-70E740481C1C}">
-                <a14:useLocalDpi xmlns:a14="http://schemas.microsoft.com/office/drawing/2010/main" val="0"/>
-              </a:ext>
-            </a:extLst>
-          </a:blip>
-          <a:stretch>
-            <a:fillRect/>
-          </a:stretch>
-        </p:blipFill>
-        <p:spPr>
-          <a:xfrm>
-            <a:off x="4432709" y="3071082"/>
-            <a:ext cx="3967437" cy="2984723"/>
-          </a:xfrm>
-          <a:prstGeom prst="rect">
-            <a:avLst/>
-          </a:prstGeom>
-        </p:spPr>
-      </p:pic>
-      <p:sp>
-        <p:nvSpPr>
-          <p:cNvPr id="17" name="テキスト ボックス 16"/>
-          <p:cNvSpPr txBox="1"/>
-          <p:nvPr/>
-        </p:nvSpPr>
-        <p:spPr>
-          <a:xfrm>
-            <a:off x="1388265" y="6001852"/>
-            <a:ext cx="1828803" cy="523220"/>
-          </a:xfrm>
-          <a:prstGeom prst="rect">
-            <a:avLst/>
-          </a:prstGeom>
-          <a:noFill/>
-        </p:spPr>
-        <p:txBody>
-          <a:bodyPr wrap="square" rtlCol="0">
-            <a:spAutoFit/>
-          </a:bodyPr>
-          <a:lstStyle/>
-          <a:p>
-            <a:pPr algn="ctr"/>
-            <a:r>
-              <a:rPr kumimoji="1" lang="en-US" altLang="ja-JP" sz="2800" dirty="0" err="1" smtClean="0"/>
-              <a:t>Satimage</a:t>
-            </a:r>
-            <a:endParaRPr kumimoji="1" lang="ja-JP" altLang="en-US" sz="2800" dirty="0" smtClean="0"/>
-          </a:p>
-        </p:txBody>
-      </p:sp>
-      <p:sp>
-        <p:nvSpPr>
-          <p:cNvPr id="18" name="テキスト ボックス 17"/>
-          <p:cNvSpPr txBox="1"/>
-          <p:nvPr/>
-        </p:nvSpPr>
-        <p:spPr>
-          <a:xfrm>
-            <a:off x="5653246" y="6001852"/>
-            <a:ext cx="1828803" cy="523220"/>
-          </a:xfrm>
-          <a:prstGeom prst="rect">
-            <a:avLst/>
-          </a:prstGeom>
-          <a:noFill/>
-        </p:spPr>
-        <p:txBody>
-          <a:bodyPr wrap="square" rtlCol="0">
-            <a:spAutoFit/>
-          </a:bodyPr>
-          <a:lstStyle/>
-          <a:p>
-            <a:pPr algn="ctr"/>
-            <a:r>
-              <a:rPr kumimoji="1" lang="en-US" altLang="ja-JP" sz="2800" dirty="0" smtClean="0"/>
-              <a:t>Vowel</a:t>
-            </a:r>
-            <a:endParaRPr kumimoji="1" lang="ja-JP" altLang="en-US" sz="2800" dirty="0" smtClean="0"/>
-          </a:p>
-        </p:txBody>
-      </p:sp>
-    </p:spTree>
-    <p:extLst>
-      <p:ext uri="{BB962C8B-B14F-4D97-AF65-F5344CB8AC3E}">
-        <p14:creationId xmlns:p14="http://schemas.microsoft.com/office/powerpoint/2010/main" val="1568696490"/>
       </p:ext>
     </p:extLst>
   </p:cSld>
